--- a/rysowanie/skrz_1_temp.pptx
+++ b/rysowanie/skrz_1_temp.pptx
@@ -288,7 +288,7 @@
           <a:p>
             <a:fld id="{A32664C2-05D5-48E8-A9A7-5BE2073BCC24}" type="datetimeFigureOut">
               <a:rPr lang="pl-PL" smtClean="0"/>
-              <a:t>2019-02-24</a:t>
+              <a:t>2019-03-02</a:t>
             </a:fld>
             <a:endParaRPr lang="pl-PL"/>
           </a:p>
@@ -458,7 +458,7 @@
           <a:p>
             <a:fld id="{A32664C2-05D5-48E8-A9A7-5BE2073BCC24}" type="datetimeFigureOut">
               <a:rPr lang="pl-PL" smtClean="0"/>
-              <a:t>2019-02-24</a:t>
+              <a:t>2019-03-02</a:t>
             </a:fld>
             <a:endParaRPr lang="pl-PL"/>
           </a:p>
@@ -638,7 +638,7 @@
           <a:p>
             <a:fld id="{A32664C2-05D5-48E8-A9A7-5BE2073BCC24}" type="datetimeFigureOut">
               <a:rPr lang="pl-PL" smtClean="0"/>
-              <a:t>2019-02-24</a:t>
+              <a:t>2019-03-02</a:t>
             </a:fld>
             <a:endParaRPr lang="pl-PL"/>
           </a:p>
@@ -808,7 +808,7 @@
           <a:p>
             <a:fld id="{A32664C2-05D5-48E8-A9A7-5BE2073BCC24}" type="datetimeFigureOut">
               <a:rPr lang="pl-PL" smtClean="0"/>
-              <a:t>2019-02-24</a:t>
+              <a:t>2019-03-02</a:t>
             </a:fld>
             <a:endParaRPr lang="pl-PL"/>
           </a:p>
@@ -1054,7 +1054,7 @@
           <a:p>
             <a:fld id="{A32664C2-05D5-48E8-A9A7-5BE2073BCC24}" type="datetimeFigureOut">
               <a:rPr lang="pl-PL" smtClean="0"/>
-              <a:t>2019-02-24</a:t>
+              <a:t>2019-03-02</a:t>
             </a:fld>
             <a:endParaRPr lang="pl-PL"/>
           </a:p>
@@ -1342,7 +1342,7 @@
           <a:p>
             <a:fld id="{A32664C2-05D5-48E8-A9A7-5BE2073BCC24}" type="datetimeFigureOut">
               <a:rPr lang="pl-PL" smtClean="0"/>
-              <a:t>2019-02-24</a:t>
+              <a:t>2019-03-02</a:t>
             </a:fld>
             <a:endParaRPr lang="pl-PL"/>
           </a:p>
@@ -1764,7 +1764,7 @@
           <a:p>
             <a:fld id="{A32664C2-05D5-48E8-A9A7-5BE2073BCC24}" type="datetimeFigureOut">
               <a:rPr lang="pl-PL" smtClean="0"/>
-              <a:t>2019-02-24</a:t>
+              <a:t>2019-03-02</a:t>
             </a:fld>
             <a:endParaRPr lang="pl-PL"/>
           </a:p>
@@ -1882,7 +1882,7 @@
           <a:p>
             <a:fld id="{A32664C2-05D5-48E8-A9A7-5BE2073BCC24}" type="datetimeFigureOut">
               <a:rPr lang="pl-PL" smtClean="0"/>
-              <a:t>2019-02-24</a:t>
+              <a:t>2019-03-02</a:t>
             </a:fld>
             <a:endParaRPr lang="pl-PL"/>
           </a:p>
@@ -1977,7 +1977,7 @@
           <a:p>
             <a:fld id="{A32664C2-05D5-48E8-A9A7-5BE2073BCC24}" type="datetimeFigureOut">
               <a:rPr lang="pl-PL" smtClean="0"/>
-              <a:t>2019-02-24</a:t>
+              <a:t>2019-03-02</a:t>
             </a:fld>
             <a:endParaRPr lang="pl-PL"/>
           </a:p>
@@ -2254,7 +2254,7 @@
           <a:p>
             <a:fld id="{A32664C2-05D5-48E8-A9A7-5BE2073BCC24}" type="datetimeFigureOut">
               <a:rPr lang="pl-PL" smtClean="0"/>
-              <a:t>2019-02-24</a:t>
+              <a:t>2019-03-02</a:t>
             </a:fld>
             <a:endParaRPr lang="pl-PL"/>
           </a:p>
@@ -2507,7 +2507,7 @@
           <a:p>
             <a:fld id="{A32664C2-05D5-48E8-A9A7-5BE2073BCC24}" type="datetimeFigureOut">
               <a:rPr lang="pl-PL" smtClean="0"/>
-              <a:t>2019-02-24</a:t>
+              <a:t>2019-03-02</a:t>
             </a:fld>
             <a:endParaRPr lang="pl-PL"/>
           </a:p>
@@ -2720,7 +2720,7 @@
           <a:p>
             <a:fld id="{A32664C2-05D5-48E8-A9A7-5BE2073BCC24}" type="datetimeFigureOut">
               <a:rPr lang="pl-PL" smtClean="0"/>
-              <a:t>2019-02-24</a:t>
+              <a:t>2019-03-02</a:t>
             </a:fld>
             <a:endParaRPr lang="pl-PL"/>
           </a:p>
@@ -3310,7 +3310,7 @@
         </p:blipFill>
         <p:spPr bwMode="auto">
           <a:xfrm>
-            <a:off x="4774500" y="4077072"/>
+            <a:off x="4898076" y="5238155"/>
             <a:ext cx="3495675" cy="2400300"/>
           </a:xfrm>
           <a:prstGeom prst="rect">
@@ -3359,7 +3359,7 @@
         </p:nvCxnSpPr>
         <p:spPr>
           <a:xfrm flipH="1" flipV="1">
-            <a:off x="5076056" y="3645024"/>
+            <a:off x="5199632" y="4806107"/>
             <a:ext cx="648072" cy="710062"/>
           </a:xfrm>
           <a:prstGeom prst="straightConnector1">
@@ -3392,7 +3392,7 @@
         </p:nvSpPr>
         <p:spPr>
           <a:xfrm>
-            <a:off x="4203192" y="3100270"/>
+            <a:off x="4326768" y="4261353"/>
             <a:ext cx="1142615" cy="646331"/>
           </a:xfrm>
           <a:prstGeom prst="rect">
@@ -3422,7 +3422,7 @@
         </p:nvSpPr>
         <p:spPr>
           <a:xfrm>
-            <a:off x="5874144" y="2729141"/>
+            <a:off x="5997720" y="3890224"/>
             <a:ext cx="1142615" cy="830997"/>
           </a:xfrm>
           <a:prstGeom prst="rect">
@@ -3452,7 +3452,7 @@
         </p:nvCxnSpPr>
         <p:spPr>
           <a:xfrm flipH="1" flipV="1">
-            <a:off x="6268314" y="3560138"/>
+            <a:off x="6391890" y="4721221"/>
             <a:ext cx="648072" cy="710062"/>
           </a:xfrm>
           <a:prstGeom prst="straightConnector1">
@@ -3485,7 +3485,7 @@
         </p:nvSpPr>
         <p:spPr>
           <a:xfrm>
-            <a:off x="7472760" y="2729141"/>
+            <a:off x="7596336" y="3890224"/>
             <a:ext cx="1142615" cy="461665"/>
           </a:xfrm>
           <a:prstGeom prst="rect">
@@ -3515,7 +3515,7 @@
         </p:nvCxnSpPr>
         <p:spPr>
           <a:xfrm flipV="1">
-            <a:off x="7596336" y="3423435"/>
+            <a:off x="7719912" y="4584518"/>
             <a:ext cx="270595" cy="846765"/>
           </a:xfrm>
           <a:prstGeom prst="straightConnector1">
